--- a/15-assert_exception/00-assert_exception.pptx
+++ b/15-assert_exception/00-assert_exception.pptx
@@ -12,7 +12,8 @@
     <p:sldId id="299" r:id="rId6"/>
     <p:sldId id="297" r:id="rId7"/>
     <p:sldId id="300" r:id="rId8"/>
-    <p:sldId id="294" r:id="rId9"/>
+    <p:sldId id="301" r:id="rId9"/>
+    <p:sldId id="294" r:id="rId10"/>
   </p:sldIdLst>
   <p:sldSz cx="12192000" cy="6858000"/>
   <p:notesSz cx="6858000" cy="9144000"/>
@@ -266,7 +267,7 @@
           <a:p>
             <a:fld id="{3C22E3A1-C276-43FD-A0AD-E3E3A7519323}" type="datetimeFigureOut">
               <a:rPr lang="zh-TW" altLang="en-US" smtClean="0"/>
-              <a:t>2021/12/22</a:t>
+              <a:t>2021/12/28</a:t>
             </a:fld>
             <a:endParaRPr lang="zh-TW" altLang="en-US"/>
           </a:p>
@@ -464,7 +465,7 @@
           <a:p>
             <a:fld id="{3C22E3A1-C276-43FD-A0AD-E3E3A7519323}" type="datetimeFigureOut">
               <a:rPr lang="zh-TW" altLang="en-US" smtClean="0"/>
-              <a:t>2021/12/22</a:t>
+              <a:t>2021/12/28</a:t>
             </a:fld>
             <a:endParaRPr lang="zh-TW" altLang="en-US"/>
           </a:p>
@@ -672,7 +673,7 @@
           <a:p>
             <a:fld id="{3C22E3A1-C276-43FD-A0AD-E3E3A7519323}" type="datetimeFigureOut">
               <a:rPr lang="zh-TW" altLang="en-US" smtClean="0"/>
-              <a:t>2021/12/22</a:t>
+              <a:t>2021/12/28</a:t>
             </a:fld>
             <a:endParaRPr lang="zh-TW" altLang="en-US"/>
           </a:p>
@@ -870,7 +871,7 @@
           <a:p>
             <a:fld id="{3C22E3A1-C276-43FD-A0AD-E3E3A7519323}" type="datetimeFigureOut">
               <a:rPr lang="zh-TW" altLang="en-US" smtClean="0"/>
-              <a:t>2021/12/22</a:t>
+              <a:t>2021/12/28</a:t>
             </a:fld>
             <a:endParaRPr lang="zh-TW" altLang="en-US"/>
           </a:p>
@@ -1145,7 +1146,7 @@
           <a:p>
             <a:fld id="{3C22E3A1-C276-43FD-A0AD-E3E3A7519323}" type="datetimeFigureOut">
               <a:rPr lang="zh-TW" altLang="en-US" smtClean="0"/>
-              <a:t>2021/12/22</a:t>
+              <a:t>2021/12/28</a:t>
             </a:fld>
             <a:endParaRPr lang="zh-TW" altLang="en-US"/>
           </a:p>
@@ -1410,7 +1411,7 @@
           <a:p>
             <a:fld id="{3C22E3A1-C276-43FD-A0AD-E3E3A7519323}" type="datetimeFigureOut">
               <a:rPr lang="zh-TW" altLang="en-US" smtClean="0"/>
-              <a:t>2021/12/22</a:t>
+              <a:t>2021/12/28</a:t>
             </a:fld>
             <a:endParaRPr lang="zh-TW" altLang="en-US"/>
           </a:p>
@@ -1822,7 +1823,7 @@
           <a:p>
             <a:fld id="{3C22E3A1-C276-43FD-A0AD-E3E3A7519323}" type="datetimeFigureOut">
               <a:rPr lang="zh-TW" altLang="en-US" smtClean="0"/>
-              <a:t>2021/12/22</a:t>
+              <a:t>2021/12/28</a:t>
             </a:fld>
             <a:endParaRPr lang="zh-TW" altLang="en-US"/>
           </a:p>
@@ -1963,7 +1964,7 @@
           <a:p>
             <a:fld id="{3C22E3A1-C276-43FD-A0AD-E3E3A7519323}" type="datetimeFigureOut">
               <a:rPr lang="zh-TW" altLang="en-US" smtClean="0"/>
-              <a:t>2021/12/22</a:t>
+              <a:t>2021/12/28</a:t>
             </a:fld>
             <a:endParaRPr lang="zh-TW" altLang="en-US"/>
           </a:p>
@@ -2076,7 +2077,7 @@
           <a:p>
             <a:fld id="{3C22E3A1-C276-43FD-A0AD-E3E3A7519323}" type="datetimeFigureOut">
               <a:rPr lang="zh-TW" altLang="en-US" smtClean="0"/>
-              <a:t>2021/12/22</a:t>
+              <a:t>2021/12/28</a:t>
             </a:fld>
             <a:endParaRPr lang="zh-TW" altLang="en-US"/>
           </a:p>
@@ -2387,7 +2388,7 @@
           <a:p>
             <a:fld id="{3C22E3A1-C276-43FD-A0AD-E3E3A7519323}" type="datetimeFigureOut">
               <a:rPr lang="zh-TW" altLang="en-US" smtClean="0"/>
-              <a:t>2021/12/22</a:t>
+              <a:t>2021/12/28</a:t>
             </a:fld>
             <a:endParaRPr lang="zh-TW" altLang="en-US"/>
           </a:p>
@@ -2675,7 +2676,7 @@
           <a:p>
             <a:fld id="{3C22E3A1-C276-43FD-A0AD-E3E3A7519323}" type="datetimeFigureOut">
               <a:rPr lang="zh-TW" altLang="en-US" smtClean="0"/>
-              <a:t>2021/12/22</a:t>
+              <a:t>2021/12/28</a:t>
             </a:fld>
             <a:endParaRPr lang="zh-TW" altLang="en-US"/>
           </a:p>
@@ -2916,7 +2917,7 @@
           <a:p>
             <a:fld id="{3C22E3A1-C276-43FD-A0AD-E3E3A7519323}" type="datetimeFigureOut">
               <a:rPr lang="zh-TW" altLang="en-US" smtClean="0"/>
-              <a:t>2021/12/22</a:t>
+              <a:t>2021/12/28</a:t>
             </a:fld>
             <a:endParaRPr lang="zh-TW" altLang="en-US"/>
           </a:p>
@@ -7715,6 +7716,1128 @@
 </file>
 
 <file path=ppt/slides/slide8.xml><?xml version="1.0" encoding="utf-8"?>
+<p:sld xmlns:a="http://schemas.openxmlformats.org/drawingml/2006/main" xmlns:r="http://schemas.openxmlformats.org/officeDocument/2006/relationships" xmlns:p="http://schemas.openxmlformats.org/presentationml/2006/main">
+  <p:cSld>
+    <p:spTree>
+      <p:nvGrpSpPr>
+        <p:cNvPr id="1" name=""/>
+        <p:cNvGrpSpPr/>
+        <p:nvPr/>
+      </p:nvGrpSpPr>
+      <p:grpSpPr>
+        <a:xfrm>
+          <a:off x="0" y="0"/>
+          <a:ext cx="0" cy="0"/>
+          <a:chOff x="0" y="0"/>
+          <a:chExt cx="0" cy="0"/>
+        </a:xfrm>
+      </p:grpSpPr>
+      <p:sp>
+        <p:nvSpPr>
+          <p:cNvPr id="2" name="Title 1">
+            <a:extLst>
+              <a:ext uri="{FF2B5EF4-FFF2-40B4-BE49-F238E27FC236}">
+                <a16:creationId xmlns:a16="http://schemas.microsoft.com/office/drawing/2014/main" id="{B9AAC362-CE02-469C-994C-3DA5A0F41A79}"/>
+              </a:ext>
+            </a:extLst>
+          </p:cNvPr>
+          <p:cNvSpPr>
+            <a:spLocks noGrp="1"/>
+          </p:cNvSpPr>
+          <p:nvPr>
+            <p:ph type="title"/>
+          </p:nvPr>
+        </p:nvSpPr>
+        <p:spPr/>
+        <p:txBody>
+          <a:bodyPr/>
+          <a:lstStyle/>
+          <a:p>
+            <a:r>
+              <a:rPr lang="en-US" altLang="zh-TW" dirty="0"/>
+              <a:t>Application - assert</a:t>
+            </a:r>
+            <a:endParaRPr lang="zh-TW" altLang="en-US" dirty="0"/>
+          </a:p>
+        </p:txBody>
+      </p:sp>
+      <p:sp>
+        <p:nvSpPr>
+          <p:cNvPr id="5" name="TextBox 4">
+            <a:extLst>
+              <a:ext uri="{FF2B5EF4-FFF2-40B4-BE49-F238E27FC236}">
+                <a16:creationId xmlns:a16="http://schemas.microsoft.com/office/drawing/2014/main" id="{0A7D9A31-8AFF-45D7-B9DE-8E4097712AD4}"/>
+              </a:ext>
+            </a:extLst>
+          </p:cNvPr>
+          <p:cNvSpPr txBox="1"/>
+          <p:nvPr/>
+        </p:nvSpPr>
+        <p:spPr>
+          <a:xfrm>
+            <a:off x="838200" y="1479584"/>
+            <a:ext cx="9000858" cy="5078313"/>
+          </a:xfrm>
+          <a:prstGeom prst="rect">
+            <a:avLst/>
+          </a:prstGeom>
+          <a:noFill/>
+        </p:spPr>
+        <p:txBody>
+          <a:bodyPr wrap="square">
+            <a:spAutoFit/>
+          </a:bodyPr>
+          <a:lstStyle/>
+          <a:p>
+            <a:r>
+              <a:rPr lang="en-US" altLang="zh-TW" b="0" dirty="0">
+                <a:solidFill>
+                  <a:srgbClr val="0000FF"/>
+                </a:solidFill>
+                <a:effectLst/>
+                <a:latin typeface="Consolas" panose="020B0609020204030204" pitchFamily="49" charset="0"/>
+              </a:rPr>
+              <a:t>int</a:t>
+            </a:r>
+            <a:r>
+              <a:rPr lang="en-US" altLang="zh-TW" b="0" dirty="0">
+                <a:solidFill>
+                  <a:srgbClr val="000000"/>
+                </a:solidFill>
+                <a:effectLst/>
+                <a:latin typeface="Consolas" panose="020B0609020204030204" pitchFamily="49" charset="0"/>
+              </a:rPr>
+              <a:t> </a:t>
+            </a:r>
+            <a:r>
+              <a:rPr lang="en-US" altLang="zh-TW" b="0" dirty="0">
+                <a:solidFill>
+                  <a:srgbClr val="795E26"/>
+                </a:solidFill>
+                <a:effectLst/>
+                <a:latin typeface="Consolas" panose="020B0609020204030204" pitchFamily="49" charset="0"/>
+              </a:rPr>
+              <a:t>at</a:t>
+            </a:r>
+            <a:r>
+              <a:rPr lang="en-US" altLang="zh-TW" b="0" dirty="0">
+                <a:solidFill>
+                  <a:srgbClr val="000000"/>
+                </a:solidFill>
+                <a:effectLst/>
+                <a:latin typeface="Consolas" panose="020B0609020204030204" pitchFamily="49" charset="0"/>
+              </a:rPr>
+              <a:t>(</a:t>
+            </a:r>
+            <a:r>
+              <a:rPr lang="en-US" altLang="zh-TW" b="0" dirty="0">
+                <a:solidFill>
+                  <a:srgbClr val="267F99"/>
+                </a:solidFill>
+                <a:effectLst/>
+                <a:latin typeface="Consolas" panose="020B0609020204030204" pitchFamily="49" charset="0"/>
+              </a:rPr>
+              <a:t>std</a:t>
+            </a:r>
+            <a:r>
+              <a:rPr lang="en-US" altLang="zh-TW" b="0" dirty="0">
+                <a:solidFill>
+                  <a:srgbClr val="000000"/>
+                </a:solidFill>
+                <a:effectLst/>
+                <a:latin typeface="Consolas" panose="020B0609020204030204" pitchFamily="49" charset="0"/>
+              </a:rPr>
+              <a:t>::</a:t>
+            </a:r>
+            <a:r>
+              <a:rPr lang="en-US" altLang="zh-TW" b="0" dirty="0">
+                <a:solidFill>
+                  <a:srgbClr val="267F99"/>
+                </a:solidFill>
+                <a:effectLst/>
+                <a:latin typeface="Consolas" panose="020B0609020204030204" pitchFamily="49" charset="0"/>
+              </a:rPr>
+              <a:t>vector</a:t>
+            </a:r>
+            <a:r>
+              <a:rPr lang="en-US" altLang="zh-TW" b="0" dirty="0">
+                <a:solidFill>
+                  <a:srgbClr val="000000"/>
+                </a:solidFill>
+                <a:effectLst/>
+                <a:latin typeface="Consolas" panose="020B0609020204030204" pitchFamily="49" charset="0"/>
+              </a:rPr>
+              <a:t>&lt;</a:t>
+            </a:r>
+            <a:r>
+              <a:rPr lang="en-US" altLang="zh-TW" b="0" dirty="0">
+                <a:solidFill>
+                  <a:srgbClr val="0000FF"/>
+                </a:solidFill>
+                <a:effectLst/>
+                <a:latin typeface="Consolas" panose="020B0609020204030204" pitchFamily="49" charset="0"/>
+              </a:rPr>
+              <a:t>int</a:t>
+            </a:r>
+            <a:r>
+              <a:rPr lang="en-US" altLang="zh-TW" b="0" dirty="0">
+                <a:solidFill>
+                  <a:srgbClr val="000000"/>
+                </a:solidFill>
+                <a:effectLst/>
+                <a:latin typeface="Consolas" panose="020B0609020204030204" pitchFamily="49" charset="0"/>
+              </a:rPr>
+              <a:t>&gt; </a:t>
+            </a:r>
+            <a:r>
+              <a:rPr lang="en-US" altLang="zh-TW" b="0" dirty="0">
+                <a:solidFill>
+                  <a:srgbClr val="001080"/>
+                </a:solidFill>
+                <a:effectLst/>
+                <a:latin typeface="Consolas" panose="020B0609020204030204" pitchFamily="49" charset="0"/>
+              </a:rPr>
+              <a:t>_</a:t>
+            </a:r>
+            <a:r>
+              <a:rPr lang="en-US" altLang="zh-TW" b="0" dirty="0" err="1">
+                <a:solidFill>
+                  <a:srgbClr val="001080"/>
+                </a:solidFill>
+                <a:effectLst/>
+                <a:latin typeface="Consolas" panose="020B0609020204030204" pitchFamily="49" charset="0"/>
+              </a:rPr>
+              <a:t>vec</a:t>
+            </a:r>
+            <a:r>
+              <a:rPr lang="en-US" altLang="zh-TW" b="0" dirty="0">
+                <a:solidFill>
+                  <a:srgbClr val="000000"/>
+                </a:solidFill>
+                <a:effectLst/>
+                <a:latin typeface="Consolas" panose="020B0609020204030204" pitchFamily="49" charset="0"/>
+              </a:rPr>
+              <a:t>, </a:t>
+            </a:r>
+            <a:r>
+              <a:rPr lang="en-US" altLang="zh-TW" b="0" dirty="0">
+                <a:solidFill>
+                  <a:srgbClr val="0000FF"/>
+                </a:solidFill>
+                <a:effectLst/>
+                <a:latin typeface="Consolas" panose="020B0609020204030204" pitchFamily="49" charset="0"/>
+              </a:rPr>
+              <a:t>int</a:t>
+            </a:r>
+            <a:r>
+              <a:rPr lang="en-US" altLang="zh-TW" b="0" dirty="0">
+                <a:solidFill>
+                  <a:srgbClr val="000000"/>
+                </a:solidFill>
+                <a:effectLst/>
+                <a:latin typeface="Consolas" panose="020B0609020204030204" pitchFamily="49" charset="0"/>
+              </a:rPr>
+              <a:t> </a:t>
+            </a:r>
+            <a:r>
+              <a:rPr lang="en-US" altLang="zh-TW" b="0" dirty="0">
+                <a:solidFill>
+                  <a:srgbClr val="001080"/>
+                </a:solidFill>
+                <a:effectLst/>
+                <a:latin typeface="Consolas" panose="020B0609020204030204" pitchFamily="49" charset="0"/>
+              </a:rPr>
+              <a:t>pos</a:t>
+            </a:r>
+            <a:r>
+              <a:rPr lang="en-US" altLang="zh-TW" b="0" dirty="0">
+                <a:solidFill>
+                  <a:srgbClr val="000000"/>
+                </a:solidFill>
+                <a:effectLst/>
+                <a:latin typeface="Consolas" panose="020B0609020204030204" pitchFamily="49" charset="0"/>
+              </a:rPr>
+              <a:t>)</a:t>
+            </a:r>
+          </a:p>
+          <a:p>
+            <a:r>
+              <a:rPr lang="en-US" altLang="zh-TW" b="0" dirty="0">
+                <a:solidFill>
+                  <a:srgbClr val="000000"/>
+                </a:solidFill>
+                <a:effectLst/>
+                <a:latin typeface="Consolas" panose="020B0609020204030204" pitchFamily="49" charset="0"/>
+              </a:rPr>
+              <a:t>{</a:t>
+            </a:r>
+          </a:p>
+          <a:p>
+            <a:r>
+              <a:rPr lang="en-US" altLang="zh-TW" b="0" dirty="0">
+                <a:solidFill>
+                  <a:srgbClr val="000000"/>
+                </a:solidFill>
+                <a:effectLst/>
+                <a:latin typeface="Consolas" panose="020B0609020204030204" pitchFamily="49" charset="0"/>
+              </a:rPr>
+              <a:t>    </a:t>
+            </a:r>
+            <a:r>
+              <a:rPr lang="en-US" altLang="zh-TW" b="0" dirty="0">
+                <a:solidFill>
+                  <a:srgbClr val="795E26"/>
+                </a:solidFill>
+                <a:effectLst/>
+                <a:latin typeface="Consolas" panose="020B0609020204030204" pitchFamily="49" charset="0"/>
+              </a:rPr>
+              <a:t>assert</a:t>
+            </a:r>
+            <a:r>
+              <a:rPr lang="en-US" altLang="zh-TW" b="0" dirty="0">
+                <a:solidFill>
+                  <a:srgbClr val="000000"/>
+                </a:solidFill>
+                <a:effectLst/>
+                <a:latin typeface="Consolas" panose="020B0609020204030204" pitchFamily="49" charset="0"/>
+              </a:rPr>
+              <a:t>(pos &gt; </a:t>
+            </a:r>
+            <a:r>
+              <a:rPr lang="en-US" altLang="zh-TW" b="0" dirty="0">
+                <a:solidFill>
+                  <a:srgbClr val="098658"/>
+                </a:solidFill>
+                <a:effectLst/>
+                <a:latin typeface="Consolas" panose="020B0609020204030204" pitchFamily="49" charset="0"/>
+              </a:rPr>
+              <a:t>0</a:t>
+            </a:r>
+            <a:r>
+              <a:rPr lang="en-US" altLang="zh-TW" b="0" dirty="0">
+                <a:solidFill>
+                  <a:srgbClr val="000000"/>
+                </a:solidFill>
+                <a:effectLst/>
+                <a:latin typeface="Consolas" panose="020B0609020204030204" pitchFamily="49" charset="0"/>
+              </a:rPr>
+              <a:t>);</a:t>
+            </a:r>
+          </a:p>
+          <a:p>
+            <a:r>
+              <a:rPr lang="en-US" altLang="zh-TW" b="0" dirty="0">
+                <a:solidFill>
+                  <a:srgbClr val="000000"/>
+                </a:solidFill>
+                <a:effectLst/>
+                <a:latin typeface="Consolas" panose="020B0609020204030204" pitchFamily="49" charset="0"/>
+              </a:rPr>
+              <a:t>    </a:t>
+            </a:r>
+            <a:r>
+              <a:rPr lang="en-US" altLang="zh-TW" b="0" dirty="0">
+                <a:solidFill>
+                  <a:srgbClr val="795E26"/>
+                </a:solidFill>
+                <a:effectLst/>
+                <a:latin typeface="Consolas" panose="020B0609020204030204" pitchFamily="49" charset="0"/>
+              </a:rPr>
+              <a:t>assert</a:t>
+            </a:r>
+            <a:r>
+              <a:rPr lang="en-US" altLang="zh-TW" b="0" dirty="0">
+                <a:solidFill>
+                  <a:srgbClr val="000000"/>
+                </a:solidFill>
+                <a:effectLst/>
+                <a:latin typeface="Consolas" panose="020B0609020204030204" pitchFamily="49" charset="0"/>
+              </a:rPr>
+              <a:t>(pos &lt; </a:t>
+            </a:r>
+            <a:r>
+              <a:rPr lang="en-US" altLang="zh-TW" b="0" dirty="0">
+                <a:solidFill>
+                  <a:srgbClr val="001080"/>
+                </a:solidFill>
+                <a:effectLst/>
+                <a:latin typeface="Consolas" panose="020B0609020204030204" pitchFamily="49" charset="0"/>
+              </a:rPr>
+              <a:t>_</a:t>
+            </a:r>
+            <a:r>
+              <a:rPr lang="en-US" altLang="zh-TW" b="0" dirty="0" err="1">
+                <a:solidFill>
+                  <a:srgbClr val="001080"/>
+                </a:solidFill>
+                <a:effectLst/>
+                <a:latin typeface="Consolas" panose="020B0609020204030204" pitchFamily="49" charset="0"/>
+              </a:rPr>
+              <a:t>vec</a:t>
+            </a:r>
+            <a:r>
+              <a:rPr lang="en-US" altLang="zh-TW" b="0" dirty="0" err="1">
+                <a:solidFill>
+                  <a:srgbClr val="000000"/>
+                </a:solidFill>
+                <a:effectLst/>
+                <a:latin typeface="Consolas" panose="020B0609020204030204" pitchFamily="49" charset="0"/>
+              </a:rPr>
+              <a:t>.</a:t>
+            </a:r>
+            <a:r>
+              <a:rPr lang="en-US" altLang="zh-TW" b="0" dirty="0" err="1">
+                <a:solidFill>
+                  <a:srgbClr val="795E26"/>
+                </a:solidFill>
+                <a:effectLst/>
+                <a:latin typeface="Consolas" panose="020B0609020204030204" pitchFamily="49" charset="0"/>
+              </a:rPr>
+              <a:t>size</a:t>
+            </a:r>
+            <a:r>
+              <a:rPr lang="en-US" altLang="zh-TW" b="0" dirty="0">
+                <a:solidFill>
+                  <a:srgbClr val="000000"/>
+                </a:solidFill>
+                <a:effectLst/>
+                <a:latin typeface="Consolas" panose="020B0609020204030204" pitchFamily="49" charset="0"/>
+              </a:rPr>
+              <a:t>());</a:t>
+            </a:r>
+          </a:p>
+          <a:p>
+            <a:br>
+              <a:rPr lang="en-US" altLang="zh-TW" b="0" dirty="0">
+                <a:solidFill>
+                  <a:srgbClr val="000000"/>
+                </a:solidFill>
+                <a:effectLst/>
+                <a:latin typeface="Consolas" panose="020B0609020204030204" pitchFamily="49" charset="0"/>
+              </a:rPr>
+            </a:br>
+            <a:r>
+              <a:rPr lang="en-US" altLang="zh-TW" b="0" dirty="0">
+                <a:solidFill>
+                  <a:srgbClr val="000000"/>
+                </a:solidFill>
+                <a:effectLst/>
+                <a:latin typeface="Consolas" panose="020B0609020204030204" pitchFamily="49" charset="0"/>
+              </a:rPr>
+              <a:t>    </a:t>
+            </a:r>
+            <a:r>
+              <a:rPr lang="en-US" altLang="zh-TW" b="0" dirty="0">
+                <a:solidFill>
+                  <a:srgbClr val="AF00DB"/>
+                </a:solidFill>
+                <a:effectLst/>
+                <a:latin typeface="Consolas" panose="020B0609020204030204" pitchFamily="49" charset="0"/>
+              </a:rPr>
+              <a:t>return</a:t>
+            </a:r>
+            <a:r>
+              <a:rPr lang="en-US" altLang="zh-TW" b="0" dirty="0">
+                <a:solidFill>
+                  <a:srgbClr val="000000"/>
+                </a:solidFill>
+                <a:effectLst/>
+                <a:latin typeface="Consolas" panose="020B0609020204030204" pitchFamily="49" charset="0"/>
+              </a:rPr>
+              <a:t> </a:t>
+            </a:r>
+            <a:r>
+              <a:rPr lang="en-US" altLang="zh-TW" b="0" dirty="0">
+                <a:solidFill>
+                  <a:srgbClr val="001080"/>
+                </a:solidFill>
+                <a:effectLst/>
+                <a:latin typeface="Consolas" panose="020B0609020204030204" pitchFamily="49" charset="0"/>
+              </a:rPr>
+              <a:t>_</a:t>
+            </a:r>
+            <a:r>
+              <a:rPr lang="en-US" altLang="zh-TW" b="0" dirty="0" err="1">
+                <a:solidFill>
+                  <a:srgbClr val="001080"/>
+                </a:solidFill>
+                <a:effectLst/>
+                <a:latin typeface="Consolas" panose="020B0609020204030204" pitchFamily="49" charset="0"/>
+              </a:rPr>
+              <a:t>vec</a:t>
+            </a:r>
+            <a:r>
+              <a:rPr lang="en-US" altLang="zh-TW" b="0" dirty="0">
+                <a:solidFill>
+                  <a:srgbClr val="000000"/>
+                </a:solidFill>
+                <a:effectLst/>
+                <a:latin typeface="Consolas" panose="020B0609020204030204" pitchFamily="49" charset="0"/>
+              </a:rPr>
+              <a:t>[pos];</a:t>
+            </a:r>
+          </a:p>
+          <a:p>
+            <a:r>
+              <a:rPr lang="en-US" altLang="zh-TW" b="0" dirty="0">
+                <a:solidFill>
+                  <a:srgbClr val="000000"/>
+                </a:solidFill>
+                <a:effectLst/>
+                <a:latin typeface="Consolas" panose="020B0609020204030204" pitchFamily="49" charset="0"/>
+              </a:rPr>
+              <a:t>}</a:t>
+            </a:r>
+          </a:p>
+          <a:p>
+            <a:br>
+              <a:rPr lang="en-US" altLang="zh-TW" b="0" dirty="0">
+                <a:solidFill>
+                  <a:srgbClr val="000000"/>
+                </a:solidFill>
+                <a:effectLst/>
+                <a:latin typeface="Consolas" panose="020B0609020204030204" pitchFamily="49" charset="0"/>
+              </a:rPr>
+            </a:br>
+            <a:r>
+              <a:rPr lang="en-US" altLang="zh-TW" b="0" dirty="0">
+                <a:solidFill>
+                  <a:srgbClr val="0000FF"/>
+                </a:solidFill>
+                <a:effectLst/>
+                <a:latin typeface="Consolas" panose="020B0609020204030204" pitchFamily="49" charset="0"/>
+              </a:rPr>
+              <a:t>int</a:t>
+            </a:r>
+            <a:r>
+              <a:rPr lang="en-US" altLang="zh-TW" b="0" dirty="0">
+                <a:solidFill>
+                  <a:srgbClr val="000000"/>
+                </a:solidFill>
+                <a:effectLst/>
+                <a:latin typeface="Consolas" panose="020B0609020204030204" pitchFamily="49" charset="0"/>
+              </a:rPr>
+              <a:t> </a:t>
+            </a:r>
+            <a:r>
+              <a:rPr lang="en-US" altLang="zh-TW" b="0" dirty="0">
+                <a:solidFill>
+                  <a:srgbClr val="795E26"/>
+                </a:solidFill>
+                <a:effectLst/>
+                <a:latin typeface="Consolas" panose="020B0609020204030204" pitchFamily="49" charset="0"/>
+              </a:rPr>
+              <a:t>main</a:t>
+            </a:r>
+            <a:r>
+              <a:rPr lang="en-US" altLang="zh-TW" b="0" dirty="0">
+                <a:solidFill>
+                  <a:srgbClr val="000000"/>
+                </a:solidFill>
+                <a:effectLst/>
+                <a:latin typeface="Consolas" panose="020B0609020204030204" pitchFamily="49" charset="0"/>
+              </a:rPr>
+              <a:t>(</a:t>
+            </a:r>
+            <a:r>
+              <a:rPr lang="en-US" altLang="zh-TW" b="0" dirty="0">
+                <a:solidFill>
+                  <a:srgbClr val="0000FF"/>
+                </a:solidFill>
+                <a:effectLst/>
+                <a:latin typeface="Consolas" panose="020B0609020204030204" pitchFamily="49" charset="0"/>
+              </a:rPr>
+              <a:t>int</a:t>
+            </a:r>
+            <a:r>
+              <a:rPr lang="en-US" altLang="zh-TW" b="0" dirty="0">
+                <a:solidFill>
+                  <a:srgbClr val="000000"/>
+                </a:solidFill>
+                <a:effectLst/>
+                <a:latin typeface="Consolas" panose="020B0609020204030204" pitchFamily="49" charset="0"/>
+              </a:rPr>
+              <a:t> </a:t>
+            </a:r>
+            <a:r>
+              <a:rPr lang="en-US" altLang="zh-TW" b="0" dirty="0" err="1">
+                <a:solidFill>
+                  <a:srgbClr val="001080"/>
+                </a:solidFill>
+                <a:effectLst/>
+                <a:latin typeface="Consolas" panose="020B0609020204030204" pitchFamily="49" charset="0"/>
+              </a:rPr>
+              <a:t>args</a:t>
+            </a:r>
+            <a:r>
+              <a:rPr lang="en-US" altLang="zh-TW" b="0" dirty="0">
+                <a:solidFill>
+                  <a:srgbClr val="000000"/>
+                </a:solidFill>
+                <a:effectLst/>
+                <a:latin typeface="Consolas" panose="020B0609020204030204" pitchFamily="49" charset="0"/>
+              </a:rPr>
+              <a:t>, </a:t>
+            </a:r>
+            <a:r>
+              <a:rPr lang="en-US" altLang="zh-TW" b="0" dirty="0">
+                <a:solidFill>
+                  <a:srgbClr val="0000FF"/>
+                </a:solidFill>
+                <a:effectLst/>
+                <a:latin typeface="Consolas" panose="020B0609020204030204" pitchFamily="49" charset="0"/>
+              </a:rPr>
+              <a:t>char*</a:t>
+            </a:r>
+            <a:r>
+              <a:rPr lang="en-US" altLang="zh-TW" b="0" dirty="0">
+                <a:solidFill>
+                  <a:srgbClr val="000000"/>
+                </a:solidFill>
+                <a:effectLst/>
+                <a:latin typeface="Consolas" panose="020B0609020204030204" pitchFamily="49" charset="0"/>
+              </a:rPr>
+              <a:t> </a:t>
+            </a:r>
+            <a:r>
+              <a:rPr lang="en-US" altLang="zh-TW" b="0" dirty="0" err="1">
+                <a:solidFill>
+                  <a:srgbClr val="001080"/>
+                </a:solidFill>
+                <a:effectLst/>
+                <a:latin typeface="Consolas" panose="020B0609020204030204" pitchFamily="49" charset="0"/>
+              </a:rPr>
+              <a:t>argv</a:t>
+            </a:r>
+            <a:r>
+              <a:rPr lang="en-US" altLang="zh-TW" b="0" dirty="0">
+                <a:solidFill>
+                  <a:srgbClr val="000000"/>
+                </a:solidFill>
+                <a:effectLst/>
+                <a:latin typeface="Consolas" panose="020B0609020204030204" pitchFamily="49" charset="0"/>
+              </a:rPr>
+              <a:t>[] )</a:t>
+            </a:r>
+          </a:p>
+          <a:p>
+            <a:r>
+              <a:rPr lang="en-US" altLang="zh-TW" b="0" dirty="0">
+                <a:solidFill>
+                  <a:srgbClr val="000000"/>
+                </a:solidFill>
+                <a:effectLst/>
+                <a:latin typeface="Consolas" panose="020B0609020204030204" pitchFamily="49" charset="0"/>
+              </a:rPr>
+              <a:t>{</a:t>
+            </a:r>
+          </a:p>
+          <a:p>
+            <a:r>
+              <a:rPr lang="en-US" altLang="zh-TW" b="0" dirty="0">
+                <a:solidFill>
+                  <a:srgbClr val="000000"/>
+                </a:solidFill>
+                <a:effectLst/>
+                <a:latin typeface="Consolas" panose="020B0609020204030204" pitchFamily="49" charset="0"/>
+              </a:rPr>
+              <a:t>    </a:t>
+            </a:r>
+            <a:r>
+              <a:rPr lang="en-US" altLang="zh-TW" b="0" dirty="0">
+                <a:solidFill>
+                  <a:srgbClr val="795E26"/>
+                </a:solidFill>
+                <a:effectLst/>
+                <a:latin typeface="Consolas" panose="020B0609020204030204" pitchFamily="49" charset="0"/>
+              </a:rPr>
+              <a:t>assert</a:t>
+            </a:r>
+            <a:r>
+              <a:rPr lang="en-US" altLang="zh-TW" b="0" dirty="0">
+                <a:solidFill>
+                  <a:srgbClr val="000000"/>
+                </a:solidFill>
+                <a:effectLst/>
+                <a:latin typeface="Consolas" panose="020B0609020204030204" pitchFamily="49" charset="0"/>
+              </a:rPr>
+              <a:t>(</a:t>
+            </a:r>
+            <a:r>
+              <a:rPr lang="en-US" altLang="zh-TW" b="0" dirty="0" err="1">
+                <a:solidFill>
+                  <a:srgbClr val="000000"/>
+                </a:solidFill>
+                <a:effectLst/>
+                <a:latin typeface="Consolas" panose="020B0609020204030204" pitchFamily="49" charset="0"/>
+              </a:rPr>
+              <a:t>args</a:t>
+            </a:r>
+            <a:r>
+              <a:rPr lang="en-US" altLang="zh-TW" b="0" dirty="0">
+                <a:solidFill>
+                  <a:srgbClr val="000000"/>
+                </a:solidFill>
+                <a:effectLst/>
+                <a:latin typeface="Consolas" panose="020B0609020204030204" pitchFamily="49" charset="0"/>
+              </a:rPr>
+              <a:t> == </a:t>
+            </a:r>
+            <a:r>
+              <a:rPr lang="en-US" altLang="zh-TW" b="0" dirty="0">
+                <a:solidFill>
+                  <a:srgbClr val="098658"/>
+                </a:solidFill>
+                <a:effectLst/>
+                <a:latin typeface="Consolas" panose="020B0609020204030204" pitchFamily="49" charset="0"/>
+              </a:rPr>
+              <a:t>2</a:t>
+            </a:r>
+            <a:r>
+              <a:rPr lang="en-US" altLang="zh-TW" b="0" dirty="0">
+                <a:solidFill>
+                  <a:srgbClr val="000000"/>
+                </a:solidFill>
+                <a:effectLst/>
+                <a:latin typeface="Consolas" panose="020B0609020204030204" pitchFamily="49" charset="0"/>
+              </a:rPr>
+              <a:t>);</a:t>
+            </a:r>
+          </a:p>
+          <a:p>
+            <a:br>
+              <a:rPr lang="en-US" altLang="zh-TW" b="0" dirty="0">
+                <a:solidFill>
+                  <a:srgbClr val="000000"/>
+                </a:solidFill>
+                <a:effectLst/>
+                <a:latin typeface="Consolas" panose="020B0609020204030204" pitchFamily="49" charset="0"/>
+              </a:rPr>
+            </a:br>
+            <a:r>
+              <a:rPr lang="en-US" altLang="zh-TW" b="0" dirty="0">
+                <a:solidFill>
+                  <a:srgbClr val="000000"/>
+                </a:solidFill>
+                <a:effectLst/>
+                <a:latin typeface="Consolas" panose="020B0609020204030204" pitchFamily="49" charset="0"/>
+              </a:rPr>
+              <a:t>    </a:t>
+            </a:r>
+            <a:r>
+              <a:rPr lang="en-US" altLang="zh-TW" b="0" dirty="0">
+                <a:solidFill>
+                  <a:srgbClr val="0000FF"/>
+                </a:solidFill>
+                <a:effectLst/>
+                <a:latin typeface="Consolas" panose="020B0609020204030204" pitchFamily="49" charset="0"/>
+              </a:rPr>
+              <a:t>int</a:t>
+            </a:r>
+            <a:r>
+              <a:rPr lang="en-US" altLang="zh-TW" b="0" dirty="0">
+                <a:solidFill>
+                  <a:srgbClr val="000000"/>
+                </a:solidFill>
+                <a:effectLst/>
+                <a:latin typeface="Consolas" panose="020B0609020204030204" pitchFamily="49" charset="0"/>
+              </a:rPr>
+              <a:t> pos = </a:t>
+            </a:r>
+            <a:r>
+              <a:rPr lang="en-US" altLang="zh-TW" b="0" dirty="0">
+                <a:solidFill>
+                  <a:srgbClr val="267F99"/>
+                </a:solidFill>
+                <a:effectLst/>
+                <a:latin typeface="Consolas" panose="020B0609020204030204" pitchFamily="49" charset="0"/>
+              </a:rPr>
+              <a:t>std</a:t>
+            </a:r>
+            <a:r>
+              <a:rPr lang="en-US" altLang="zh-TW" b="0" dirty="0">
+                <a:solidFill>
+                  <a:srgbClr val="000000"/>
+                </a:solidFill>
+                <a:effectLst/>
+                <a:latin typeface="Consolas" panose="020B0609020204030204" pitchFamily="49" charset="0"/>
+              </a:rPr>
+              <a:t>::</a:t>
+            </a:r>
+            <a:r>
+              <a:rPr lang="en-US" altLang="zh-TW" b="0" dirty="0" err="1">
+                <a:solidFill>
+                  <a:srgbClr val="795E26"/>
+                </a:solidFill>
+                <a:effectLst/>
+                <a:latin typeface="Consolas" panose="020B0609020204030204" pitchFamily="49" charset="0"/>
+              </a:rPr>
+              <a:t>atoi</a:t>
+            </a:r>
+            <a:r>
+              <a:rPr lang="en-US" altLang="zh-TW" b="0" dirty="0">
+                <a:solidFill>
+                  <a:srgbClr val="000000"/>
+                </a:solidFill>
+                <a:effectLst/>
+                <a:latin typeface="Consolas" panose="020B0609020204030204" pitchFamily="49" charset="0"/>
+              </a:rPr>
+              <a:t>(</a:t>
+            </a:r>
+            <a:r>
+              <a:rPr lang="en-US" altLang="zh-TW" b="0" dirty="0" err="1">
+                <a:solidFill>
+                  <a:srgbClr val="001080"/>
+                </a:solidFill>
+                <a:effectLst/>
+                <a:latin typeface="Consolas" panose="020B0609020204030204" pitchFamily="49" charset="0"/>
+              </a:rPr>
+              <a:t>argv</a:t>
+            </a:r>
+            <a:r>
+              <a:rPr lang="en-US" altLang="zh-TW" b="0" dirty="0">
+                <a:solidFill>
+                  <a:srgbClr val="000000"/>
+                </a:solidFill>
+                <a:effectLst/>
+                <a:latin typeface="Consolas" panose="020B0609020204030204" pitchFamily="49" charset="0"/>
+              </a:rPr>
+              <a:t>[</a:t>
+            </a:r>
+            <a:r>
+              <a:rPr lang="en-US" altLang="zh-TW" b="0" dirty="0">
+                <a:solidFill>
+                  <a:srgbClr val="098658"/>
+                </a:solidFill>
+                <a:effectLst/>
+                <a:latin typeface="Consolas" panose="020B0609020204030204" pitchFamily="49" charset="0"/>
+              </a:rPr>
+              <a:t>1</a:t>
+            </a:r>
+            <a:r>
+              <a:rPr lang="en-US" altLang="zh-TW" b="0" dirty="0">
+                <a:solidFill>
+                  <a:srgbClr val="000000"/>
+                </a:solidFill>
+                <a:effectLst/>
+                <a:latin typeface="Consolas" panose="020B0609020204030204" pitchFamily="49" charset="0"/>
+              </a:rPr>
+              <a:t>]);</a:t>
+            </a:r>
+          </a:p>
+          <a:p>
+            <a:r>
+              <a:rPr lang="en-US" altLang="zh-TW" b="0" dirty="0">
+                <a:solidFill>
+                  <a:srgbClr val="000000"/>
+                </a:solidFill>
+                <a:effectLst/>
+                <a:latin typeface="Consolas" panose="020B0609020204030204" pitchFamily="49" charset="0"/>
+              </a:rPr>
+              <a:t>    </a:t>
+            </a:r>
+            <a:r>
+              <a:rPr lang="en-US" altLang="zh-TW" b="0" dirty="0">
+                <a:solidFill>
+                  <a:srgbClr val="267F99"/>
+                </a:solidFill>
+                <a:effectLst/>
+                <a:latin typeface="Consolas" panose="020B0609020204030204" pitchFamily="49" charset="0"/>
+              </a:rPr>
+              <a:t>std</a:t>
+            </a:r>
+            <a:r>
+              <a:rPr lang="en-US" altLang="zh-TW" b="0" dirty="0">
+                <a:solidFill>
+                  <a:srgbClr val="000000"/>
+                </a:solidFill>
+                <a:effectLst/>
+                <a:latin typeface="Consolas" panose="020B0609020204030204" pitchFamily="49" charset="0"/>
+              </a:rPr>
+              <a:t>::vector&lt;</a:t>
+            </a:r>
+            <a:r>
+              <a:rPr lang="en-US" altLang="zh-TW" b="0" dirty="0">
+                <a:solidFill>
+                  <a:srgbClr val="0000FF"/>
+                </a:solidFill>
+                <a:effectLst/>
+                <a:latin typeface="Consolas" panose="020B0609020204030204" pitchFamily="49" charset="0"/>
+              </a:rPr>
+              <a:t>int</a:t>
+            </a:r>
+            <a:r>
+              <a:rPr lang="en-US" altLang="zh-TW" b="0" dirty="0">
+                <a:solidFill>
+                  <a:srgbClr val="000000"/>
+                </a:solidFill>
+                <a:effectLst/>
+                <a:latin typeface="Consolas" panose="020B0609020204030204" pitchFamily="49" charset="0"/>
+              </a:rPr>
+              <a:t>&gt; </a:t>
+            </a:r>
+            <a:r>
+              <a:rPr lang="en-US" altLang="zh-TW" b="0" dirty="0" err="1">
+                <a:solidFill>
+                  <a:srgbClr val="795E26"/>
+                </a:solidFill>
+                <a:effectLst/>
+                <a:latin typeface="Consolas" panose="020B0609020204030204" pitchFamily="49" charset="0"/>
+              </a:rPr>
+              <a:t>vec</a:t>
+            </a:r>
+            <a:r>
+              <a:rPr lang="en-US" altLang="zh-TW" b="0" dirty="0">
+                <a:solidFill>
+                  <a:srgbClr val="000000"/>
+                </a:solidFill>
+                <a:effectLst/>
+                <a:latin typeface="Consolas" panose="020B0609020204030204" pitchFamily="49" charset="0"/>
+              </a:rPr>
+              <a:t>(</a:t>
+            </a:r>
+            <a:r>
+              <a:rPr lang="en-US" altLang="zh-TW" b="0" dirty="0">
+                <a:solidFill>
+                  <a:srgbClr val="098658"/>
+                </a:solidFill>
+                <a:effectLst/>
+                <a:latin typeface="Consolas" panose="020B0609020204030204" pitchFamily="49" charset="0"/>
+              </a:rPr>
+              <a:t>10</a:t>
+            </a:r>
+            <a:r>
+              <a:rPr lang="en-US" altLang="zh-TW" b="0" dirty="0">
+                <a:solidFill>
+                  <a:srgbClr val="000000"/>
+                </a:solidFill>
+                <a:effectLst/>
+                <a:latin typeface="Consolas" panose="020B0609020204030204" pitchFamily="49" charset="0"/>
+              </a:rPr>
+              <a:t>);</a:t>
+            </a:r>
+          </a:p>
+          <a:p>
+            <a:r>
+              <a:rPr lang="en-US" altLang="zh-TW" b="0" dirty="0">
+                <a:solidFill>
+                  <a:srgbClr val="000000"/>
+                </a:solidFill>
+                <a:effectLst/>
+                <a:latin typeface="Consolas" panose="020B0609020204030204" pitchFamily="49" charset="0"/>
+              </a:rPr>
+              <a:t>    </a:t>
+            </a:r>
+            <a:r>
+              <a:rPr lang="en-US" altLang="zh-TW" b="0" dirty="0">
+                <a:solidFill>
+                  <a:srgbClr val="267F99"/>
+                </a:solidFill>
+                <a:effectLst/>
+                <a:latin typeface="Consolas" panose="020B0609020204030204" pitchFamily="49" charset="0"/>
+              </a:rPr>
+              <a:t>std</a:t>
+            </a:r>
+            <a:r>
+              <a:rPr lang="en-US" altLang="zh-TW" b="0" dirty="0">
+                <a:solidFill>
+                  <a:srgbClr val="000000"/>
+                </a:solidFill>
+                <a:effectLst/>
+                <a:latin typeface="Consolas" panose="020B0609020204030204" pitchFamily="49" charset="0"/>
+              </a:rPr>
+              <a:t>::</a:t>
+            </a:r>
+            <a:r>
+              <a:rPr lang="en-US" altLang="zh-TW" b="0" dirty="0" err="1">
+                <a:solidFill>
+                  <a:srgbClr val="000000"/>
+                </a:solidFill>
+                <a:effectLst/>
+                <a:latin typeface="Consolas" panose="020B0609020204030204" pitchFamily="49" charset="0"/>
+              </a:rPr>
+              <a:t>cout</a:t>
+            </a:r>
+            <a:r>
+              <a:rPr lang="en-US" altLang="zh-TW" b="0" dirty="0">
+                <a:solidFill>
+                  <a:srgbClr val="000000"/>
+                </a:solidFill>
+                <a:effectLst/>
+                <a:latin typeface="Consolas" panose="020B0609020204030204" pitchFamily="49" charset="0"/>
+              </a:rPr>
+              <a:t> &lt;&lt; </a:t>
+            </a:r>
+            <a:r>
+              <a:rPr lang="en-US" altLang="zh-TW" b="0" dirty="0">
+                <a:solidFill>
+                  <a:srgbClr val="795E26"/>
+                </a:solidFill>
+                <a:effectLst/>
+                <a:latin typeface="Consolas" panose="020B0609020204030204" pitchFamily="49" charset="0"/>
+              </a:rPr>
+              <a:t>at</a:t>
+            </a:r>
+            <a:r>
+              <a:rPr lang="en-US" altLang="zh-TW" b="0" dirty="0">
+                <a:solidFill>
+                  <a:srgbClr val="000000"/>
+                </a:solidFill>
+                <a:effectLst/>
+                <a:latin typeface="Consolas" panose="020B0609020204030204" pitchFamily="49" charset="0"/>
+              </a:rPr>
+              <a:t>(</a:t>
+            </a:r>
+            <a:r>
+              <a:rPr lang="en-US" altLang="zh-TW" b="0" dirty="0" err="1">
+                <a:solidFill>
+                  <a:srgbClr val="000000"/>
+                </a:solidFill>
+                <a:effectLst/>
+                <a:latin typeface="Consolas" panose="020B0609020204030204" pitchFamily="49" charset="0"/>
+              </a:rPr>
+              <a:t>vec</a:t>
+            </a:r>
+            <a:r>
+              <a:rPr lang="en-US" altLang="zh-TW" b="0" dirty="0">
+                <a:solidFill>
+                  <a:srgbClr val="000000"/>
+                </a:solidFill>
+                <a:effectLst/>
+                <a:latin typeface="Consolas" panose="020B0609020204030204" pitchFamily="49" charset="0"/>
+              </a:rPr>
+              <a:t>, pos) &lt;&lt; </a:t>
+            </a:r>
+            <a:r>
+              <a:rPr lang="en-US" altLang="zh-TW" b="0" dirty="0">
+                <a:solidFill>
+                  <a:srgbClr val="A31515"/>
+                </a:solidFill>
+                <a:effectLst/>
+                <a:latin typeface="Consolas" panose="020B0609020204030204" pitchFamily="49" charset="0"/>
+              </a:rPr>
+              <a:t>"</a:t>
+            </a:r>
+            <a:r>
+              <a:rPr lang="en-US" altLang="zh-TW" b="0" dirty="0">
+                <a:solidFill>
+                  <a:srgbClr val="EE0000"/>
+                </a:solidFill>
+                <a:effectLst/>
+                <a:latin typeface="Consolas" panose="020B0609020204030204" pitchFamily="49" charset="0"/>
+              </a:rPr>
+              <a:t>\n</a:t>
+            </a:r>
+            <a:r>
+              <a:rPr lang="en-US" altLang="zh-TW" b="0" dirty="0">
+                <a:solidFill>
+                  <a:srgbClr val="A31515"/>
+                </a:solidFill>
+                <a:effectLst/>
+                <a:latin typeface="Consolas" panose="020B0609020204030204" pitchFamily="49" charset="0"/>
+              </a:rPr>
+              <a:t>"</a:t>
+            </a:r>
+            <a:r>
+              <a:rPr lang="en-US" altLang="zh-TW" b="0" dirty="0">
+                <a:solidFill>
+                  <a:srgbClr val="000000"/>
+                </a:solidFill>
+                <a:effectLst/>
+                <a:latin typeface="Consolas" panose="020B0609020204030204" pitchFamily="49" charset="0"/>
+              </a:rPr>
+              <a:t>;</a:t>
+            </a:r>
+          </a:p>
+          <a:p>
+            <a:br>
+              <a:rPr lang="en-US" altLang="zh-TW" b="0" dirty="0">
+                <a:solidFill>
+                  <a:srgbClr val="000000"/>
+                </a:solidFill>
+                <a:effectLst/>
+                <a:latin typeface="Consolas" panose="020B0609020204030204" pitchFamily="49" charset="0"/>
+              </a:rPr>
+            </a:br>
+            <a:r>
+              <a:rPr lang="en-US" altLang="zh-TW" b="0" dirty="0">
+                <a:solidFill>
+                  <a:srgbClr val="000000"/>
+                </a:solidFill>
+                <a:effectLst/>
+                <a:latin typeface="Consolas" panose="020B0609020204030204" pitchFamily="49" charset="0"/>
+              </a:rPr>
+              <a:t>    </a:t>
+            </a:r>
+            <a:r>
+              <a:rPr lang="en-US" altLang="zh-TW" b="0" dirty="0">
+                <a:solidFill>
+                  <a:srgbClr val="AF00DB"/>
+                </a:solidFill>
+                <a:effectLst/>
+                <a:latin typeface="Consolas" panose="020B0609020204030204" pitchFamily="49" charset="0"/>
+              </a:rPr>
+              <a:t>return</a:t>
+            </a:r>
+            <a:r>
+              <a:rPr lang="en-US" altLang="zh-TW" b="0" dirty="0">
+                <a:solidFill>
+                  <a:srgbClr val="000000"/>
+                </a:solidFill>
+                <a:effectLst/>
+                <a:latin typeface="Consolas" panose="020B0609020204030204" pitchFamily="49" charset="0"/>
+              </a:rPr>
+              <a:t> </a:t>
+            </a:r>
+            <a:r>
+              <a:rPr lang="en-US" altLang="zh-TW" b="0" dirty="0">
+                <a:solidFill>
+                  <a:srgbClr val="098658"/>
+                </a:solidFill>
+                <a:effectLst/>
+                <a:latin typeface="Consolas" panose="020B0609020204030204" pitchFamily="49" charset="0"/>
+              </a:rPr>
+              <a:t>0</a:t>
+            </a:r>
+            <a:r>
+              <a:rPr lang="en-US" altLang="zh-TW" b="0" dirty="0">
+                <a:solidFill>
+                  <a:srgbClr val="000000"/>
+                </a:solidFill>
+                <a:effectLst/>
+                <a:latin typeface="Consolas" panose="020B0609020204030204" pitchFamily="49" charset="0"/>
+              </a:rPr>
+              <a:t>;</a:t>
+            </a:r>
+          </a:p>
+          <a:p>
+            <a:r>
+              <a:rPr lang="en-US" altLang="zh-TW" b="0" dirty="0">
+                <a:solidFill>
+                  <a:srgbClr val="000000"/>
+                </a:solidFill>
+                <a:effectLst/>
+                <a:latin typeface="Consolas" panose="020B0609020204030204" pitchFamily="49" charset="0"/>
+              </a:rPr>
+              <a:t>}</a:t>
+            </a:r>
+          </a:p>
+        </p:txBody>
+      </p:sp>
+    </p:spTree>
+    <p:extLst>
+      <p:ext uri="{BB962C8B-B14F-4D97-AF65-F5344CB8AC3E}">
+        <p14:creationId xmlns:p14="http://schemas.microsoft.com/office/powerpoint/2010/main" val="1557273320"/>
+      </p:ext>
+    </p:extLst>
+  </p:cSld>
+  <p:clrMapOvr>
+    <a:masterClrMapping/>
+  </p:clrMapOvr>
+</p:sld>
+</file>
+
+<file path=ppt/slides/slide9.xml><?xml version="1.0" encoding="utf-8"?>
 <p:sld xmlns:a="http://schemas.openxmlformats.org/drawingml/2006/main" xmlns:r="http://schemas.openxmlformats.org/officeDocument/2006/relationships" xmlns:p="http://schemas.openxmlformats.org/presentationml/2006/main">
   <p:cSld>
     <p:spTree>
